--- a/unit2/class slides/Unit 2 Class 9.pptx
+++ b/unit2/class slides/Unit 2 Class 9.pptx
@@ -304,7 +304,7 @@
           <a:p>
             <a:fld id="{6BFECD78-3C8E-49F2-8FAB-59489D168ABB}" type="datetimeFigureOut">
               <a:rPr lang="en-US" smtClean="0"/>
-              <a:t>9/21/16</a:t>
+              <a:t>9/22/16</a:t>
             </a:fld>
             <a:endParaRPr lang="en-US"/>
           </a:p>
@@ -474,7 +474,7 @@
           <a:p>
             <a:fld id="{6BFECD78-3C8E-49F2-8FAB-59489D168ABB}" type="datetimeFigureOut">
               <a:rPr lang="en-US" smtClean="0"/>
-              <a:t>9/21/16</a:t>
+              <a:t>9/22/16</a:t>
             </a:fld>
             <a:endParaRPr lang="en-US"/>
           </a:p>
@@ -654,7 +654,7 @@
           <a:p>
             <a:fld id="{6BFECD78-3C8E-49F2-8FAB-59489D168ABB}" type="datetimeFigureOut">
               <a:rPr lang="en-US" smtClean="0"/>
-              <a:t>9/21/16</a:t>
+              <a:t>9/22/16</a:t>
             </a:fld>
             <a:endParaRPr lang="en-US"/>
           </a:p>
@@ -824,7 +824,7 @@
           <a:p>
             <a:fld id="{6BFECD78-3C8E-49F2-8FAB-59489D168ABB}" type="datetimeFigureOut">
               <a:rPr lang="en-US" smtClean="0"/>
-              <a:t>9/21/16</a:t>
+              <a:t>9/22/16</a:t>
             </a:fld>
             <a:endParaRPr lang="en-US"/>
           </a:p>
@@ -1070,7 +1070,7 @@
           <a:p>
             <a:fld id="{6BFECD78-3C8E-49F2-8FAB-59489D168ABB}" type="datetimeFigureOut">
               <a:rPr lang="en-US" smtClean="0"/>
-              <a:t>9/21/16</a:t>
+              <a:t>9/22/16</a:t>
             </a:fld>
             <a:endParaRPr lang="en-US"/>
           </a:p>
@@ -1358,7 +1358,7 @@
           <a:p>
             <a:fld id="{6BFECD78-3C8E-49F2-8FAB-59489D168ABB}" type="datetimeFigureOut">
               <a:rPr lang="en-US" smtClean="0"/>
-              <a:t>9/21/16</a:t>
+              <a:t>9/22/16</a:t>
             </a:fld>
             <a:endParaRPr lang="en-US"/>
           </a:p>
@@ -1780,7 +1780,7 @@
           <a:p>
             <a:fld id="{6BFECD78-3C8E-49F2-8FAB-59489D168ABB}" type="datetimeFigureOut">
               <a:rPr lang="en-US" smtClean="0"/>
-              <a:t>9/21/16</a:t>
+              <a:t>9/22/16</a:t>
             </a:fld>
             <a:endParaRPr lang="en-US"/>
           </a:p>
@@ -1898,7 +1898,7 @@
           <a:p>
             <a:fld id="{6BFECD78-3C8E-49F2-8FAB-59489D168ABB}" type="datetimeFigureOut">
               <a:rPr lang="en-US" smtClean="0"/>
-              <a:t>9/21/16</a:t>
+              <a:t>9/22/16</a:t>
             </a:fld>
             <a:endParaRPr lang="en-US"/>
           </a:p>
@@ -1993,7 +1993,7 @@
           <a:p>
             <a:fld id="{6BFECD78-3C8E-49F2-8FAB-59489D168ABB}" type="datetimeFigureOut">
               <a:rPr lang="en-US" smtClean="0"/>
-              <a:t>9/21/16</a:t>
+              <a:t>9/22/16</a:t>
             </a:fld>
             <a:endParaRPr lang="en-US"/>
           </a:p>
@@ -2270,7 +2270,7 @@
           <a:p>
             <a:fld id="{6BFECD78-3C8E-49F2-8FAB-59489D168ABB}" type="datetimeFigureOut">
               <a:rPr lang="en-US" smtClean="0"/>
-              <a:t>9/21/16</a:t>
+              <a:t>9/22/16</a:t>
             </a:fld>
             <a:endParaRPr lang="en-US"/>
           </a:p>
@@ -2527,7 +2527,7 @@
           <a:p>
             <a:fld id="{6BFECD78-3C8E-49F2-8FAB-59489D168ABB}" type="datetimeFigureOut">
               <a:rPr lang="en-US" smtClean="0"/>
-              <a:t>9/21/16</a:t>
+              <a:t>9/22/16</a:t>
             </a:fld>
             <a:endParaRPr lang="en-US"/>
           </a:p>
@@ -2740,7 +2740,7 @@
           <a:p>
             <a:fld id="{6BFECD78-3C8E-49F2-8FAB-59489D168ABB}" type="datetimeFigureOut">
               <a:rPr lang="en-US" smtClean="0"/>
-              <a:t>9/21/16</a:t>
+              <a:t>9/22/16</a:t>
             </a:fld>
             <a:endParaRPr lang="en-US"/>
           </a:p>
@@ -3177,6 +3177,13 @@
   <p:clrMapOvr>
     <a:masterClrMapping/>
   </p:clrMapOvr>
+  <p:timing>
+    <p:tnLst>
+      <p:par>
+        <p:cTn xmlns:p14="http://schemas.microsoft.com/office/powerpoint/2010/main" id="1" dur="indefinite" restart="never" nodeType="tmRoot"/>
+      </p:par>
+    </p:tnLst>
+  </p:timing>
 </p:sld>
 </file>
 
@@ -5489,6 +5496,13 @@
   <p:clrMapOvr>
     <a:masterClrMapping/>
   </p:clrMapOvr>
+  <p:timing>
+    <p:tnLst>
+      <p:par>
+        <p:cTn xmlns:p14="http://schemas.microsoft.com/office/powerpoint/2010/main" id="1" dur="indefinite" restart="never" nodeType="tmRoot"/>
+      </p:par>
+    </p:tnLst>
+  </p:timing>
 </p:sld>
 </file>
 
@@ -5593,6 +5607,13 @@
   <p:clrMapOvr>
     <a:masterClrMapping/>
   </p:clrMapOvr>
+  <p:timing>
+    <p:tnLst>
+      <p:par>
+        <p:cTn xmlns:p14="http://schemas.microsoft.com/office/powerpoint/2010/main" id="1" dur="indefinite" restart="never" nodeType="tmRoot"/>
+      </p:par>
+    </p:tnLst>
+  </p:timing>
 </p:sld>
 </file>
 
@@ -5768,7 +5789,11 @@
             <a:pPr algn="ctr"/>
             <a:r>
               <a:rPr lang="en-US" sz="2400" dirty="0" smtClean="0"/>
-              <a:t>If password not is abc$123, alert “Welcome”</a:t>
+              <a:t>If password not is abc$123, alert </a:t>
+            </a:r>
+            <a:r>
+              <a:rPr lang="en-US" sz="2400" dirty="0" smtClean="0"/>
+              <a:t>“I don’t know you”</a:t>
             </a:r>
             <a:endParaRPr lang="en-US" sz="2400" dirty="0"/>
           </a:p>
@@ -5850,6 +5875,13 @@
   <p:clrMapOvr>
     <a:masterClrMapping/>
   </p:clrMapOvr>
+  <p:timing>
+    <p:tnLst>
+      <p:par>
+        <p:cTn xmlns:p14="http://schemas.microsoft.com/office/powerpoint/2010/main" id="1" dur="indefinite" restart="never" nodeType="tmRoot"/>
+      </p:par>
+    </p:tnLst>
+  </p:timing>
 </p:sld>
 </file>
 
@@ -5996,6 +6028,13 @@
   <p:clrMapOvr>
     <a:masterClrMapping/>
   </p:clrMapOvr>
+  <p:timing>
+    <p:tnLst>
+      <p:par>
+        <p:cTn xmlns:p14="http://schemas.microsoft.com/office/powerpoint/2010/main" id="1" dur="indefinite" restart="never" nodeType="tmRoot"/>
+      </p:par>
+    </p:tnLst>
+  </p:timing>
 </p:sld>
 </file>
 
